--- a/Seccion 2 Variable aleatoria multivariante/Diapositivas/2.2 Distribución conjunta y marginales.pptx
+++ b/Seccion 2 Variable aleatoria multivariante/Diapositivas/2.2 Distribución conjunta y marginales.pptx
@@ -870,7 +870,7 @@
             <a:fld id="{B61BEF0D-F0BB-DE4B-95CE-6DB70DBA9567}" type="datetimeFigureOut">
               <a:rPr lang="en-US" smtClean="0"/>
               <a:pPr/>
-              <a:t>12/12/2019</a:t>
+              <a:t>12/20/2019</a:t>
             </a:fld>
             <a:endParaRPr lang="en-US" dirty="0"/>
           </a:p>
@@ -1123,7 +1123,7 @@
             <a:fld id="{B61BEF0D-F0BB-DE4B-95CE-6DB70DBA9567}" type="datetimeFigureOut">
               <a:rPr lang="en-US" smtClean="0"/>
               <a:pPr/>
-              <a:t>12/12/2019</a:t>
+              <a:t>12/20/2019</a:t>
             </a:fld>
             <a:endParaRPr lang="en-US" dirty="0"/>
           </a:p>
@@ -1439,7 +1439,7 @@
             <a:fld id="{B61BEF0D-F0BB-DE4B-95CE-6DB70DBA9567}" type="datetimeFigureOut">
               <a:rPr lang="en-US" smtClean="0"/>
               <a:pPr/>
-              <a:t>12/12/2019</a:t>
+              <a:t>12/20/2019</a:t>
             </a:fld>
             <a:endParaRPr lang="en-US" dirty="0"/>
           </a:p>
@@ -1774,7 +1774,7 @@
             <a:fld id="{B61BEF0D-F0BB-DE4B-95CE-6DB70DBA9567}" type="datetimeFigureOut">
               <a:rPr lang="en-US" smtClean="0"/>
               <a:pPr/>
-              <a:t>12/12/2019</a:t>
+              <a:t>12/20/2019</a:t>
             </a:fld>
             <a:endParaRPr lang="en-US" dirty="0"/>
           </a:p>
@@ -2090,7 +2090,7 @@
             <a:fld id="{B61BEF0D-F0BB-DE4B-95CE-6DB70DBA9567}" type="datetimeFigureOut">
               <a:rPr lang="en-US" smtClean="0"/>
               <a:pPr/>
-              <a:t>12/12/2019</a:t>
+              <a:t>12/20/2019</a:t>
             </a:fld>
             <a:endParaRPr lang="en-US" dirty="0"/>
           </a:p>
@@ -2485,7 +2485,7 @@
             <a:fld id="{B61BEF0D-F0BB-DE4B-95CE-6DB70DBA9567}" type="datetimeFigureOut">
               <a:rPr lang="en-US" smtClean="0"/>
               <a:pPr/>
-              <a:t>12/12/2019</a:t>
+              <a:t>12/20/2019</a:t>
             </a:fld>
             <a:endParaRPr lang="en-US" dirty="0"/>
           </a:p>
@@ -2656,7 +2656,7 @@
           <a:p>
             <a:fld id="{55C6B4A9-1611-4792-9094-5F34BCA07E0B}" type="datetimeFigureOut">
               <a:rPr lang="en-US" smtClean="0"/>
-              <a:t>12/12/2019</a:t>
+              <a:t>12/20/2019</a:t>
             </a:fld>
             <a:endParaRPr lang="en-US" dirty="0"/>
           </a:p>
@@ -2837,7 +2837,7 @@
             <a:fld id="{B61BEF0D-F0BB-DE4B-95CE-6DB70DBA9567}" type="datetimeFigureOut">
               <a:rPr lang="en-US" smtClean="0"/>
               <a:pPr/>
-              <a:t>12/12/2019</a:t>
+              <a:t>12/20/2019</a:t>
             </a:fld>
             <a:endParaRPr lang="en-US" dirty="0"/>
           </a:p>
@@ -3009,7 +3009,7 @@
             <a:fld id="{B61BEF0D-F0BB-DE4B-95CE-6DB70DBA9567}" type="datetimeFigureOut">
               <a:rPr lang="en-US" smtClean="0"/>
               <a:pPr/>
-              <a:t>12/12/2019</a:t>
+              <a:t>12/20/2019</a:t>
             </a:fld>
             <a:endParaRPr lang="en-US" dirty="0"/>
           </a:p>
@@ -3258,7 +3258,7 @@
             <a:fld id="{B61BEF0D-F0BB-DE4B-95CE-6DB70DBA9567}" type="datetimeFigureOut">
               <a:rPr lang="en-US" smtClean="0"/>
               <a:pPr/>
-              <a:t>12/12/2019</a:t>
+              <a:t>12/20/2019</a:t>
             </a:fld>
             <a:endParaRPr lang="en-US" dirty="0"/>
           </a:p>
@@ -3491,7 +3491,7 @@
           <a:p>
             <a:fld id="{EB712588-04B1-427B-82EE-E8DB90309F08}" type="datetimeFigureOut">
               <a:rPr lang="en-US" smtClean="0"/>
-              <a:t>12/12/2019</a:t>
+              <a:t>12/20/2019</a:t>
             </a:fld>
             <a:endParaRPr lang="en-US" dirty="0"/>
           </a:p>
@@ -3866,7 +3866,7 @@
             <a:fld id="{B61BEF0D-F0BB-DE4B-95CE-6DB70DBA9567}" type="datetimeFigureOut">
               <a:rPr lang="en-US" smtClean="0"/>
               <a:pPr/>
-              <a:t>12/12/2019</a:t>
+              <a:t>12/20/2019</a:t>
             </a:fld>
             <a:endParaRPr lang="en-US" dirty="0"/>
           </a:p>
@@ -3991,7 +3991,7 @@
             <a:fld id="{B61BEF0D-F0BB-DE4B-95CE-6DB70DBA9567}" type="datetimeFigureOut">
               <a:rPr lang="en-US" smtClean="0"/>
               <a:pPr/>
-              <a:t>12/12/2019</a:t>
+              <a:t>12/20/2019</a:t>
             </a:fld>
             <a:endParaRPr lang="en-US" dirty="0"/>
           </a:p>
@@ -4088,7 +4088,7 @@
             <a:fld id="{B61BEF0D-F0BB-DE4B-95CE-6DB70DBA9567}" type="datetimeFigureOut">
               <a:rPr lang="en-US" smtClean="0"/>
               <a:pPr/>
-              <a:t>12/12/2019</a:t>
+              <a:t>12/20/2019</a:t>
             </a:fld>
             <a:endParaRPr lang="en-US" dirty="0"/>
           </a:p>
@@ -4344,7 +4344,7 @@
           <a:p>
             <a:fld id="{42A54C80-263E-416B-A8E0-580EDEADCBDC}" type="datetimeFigureOut">
               <a:rPr lang="en-US" smtClean="0"/>
-              <a:t>12/12/2019</a:t>
+              <a:t>12/20/2019</a:t>
             </a:fld>
             <a:endParaRPr lang="en-US" dirty="0"/>
           </a:p>
@@ -4651,7 +4651,7 @@
             <a:fld id="{B61BEF0D-F0BB-DE4B-95CE-6DB70DBA9567}" type="datetimeFigureOut">
               <a:rPr lang="en-US" smtClean="0"/>
               <a:pPr/>
-              <a:t>12/12/2019</a:t>
+              <a:t>12/20/2019</a:t>
             </a:fld>
             <a:endParaRPr lang="en-US" dirty="0"/>
           </a:p>
@@ -5357,7 +5357,7 @@
             <a:fld id="{B61BEF0D-F0BB-DE4B-95CE-6DB70DBA9567}" type="datetimeFigureOut">
               <a:rPr lang="en-US" smtClean="0"/>
               <a:pPr/>
-              <a:t>12/12/2019</a:t>
+              <a:t>12/20/2019</a:t>
             </a:fld>
             <a:endParaRPr lang="en-US" dirty="0"/>
           </a:p>
@@ -6011,8 +6011,8 @@
           </a:p>
         </p:txBody>
       </p:sp>
-      <mc:AlternateContent xmlns:mc="http://schemas.openxmlformats.org/markup-compatibility/2006" xmlns:a14="http://schemas.microsoft.com/office/drawing/2010/main">
-        <mc:Choice Requires="a14">
+      <mc:AlternateContent xmlns:mc="http://schemas.openxmlformats.org/markup-compatibility/2006">
+        <mc:Choice xmlns:a14="http://schemas.microsoft.com/office/drawing/2010/main" Requires="a14">
           <p:sp>
             <p:nvSpPr>
               <p:cNvPr id="5" name="Marcador de contenido 2"/>
@@ -6323,6 +6323,15 @@
                           <m:t>𝐱</m:t>
                         </m:r>
                         <m:r>
+                          <a:rPr lang="es-ES" b="1" i="1" smtClean="0">
+                            <a:solidFill>
+                              <a:schemeClr val="bg1"/>
+                            </a:solidFill>
+                            <a:latin typeface="Cambria Math" panose="02040503050406030204" pitchFamily="18" charset="0"/>
+                          </a:rPr>
+                          <m:t>,</m:t>
+                        </m:r>
+                        <m:r>
                           <a:rPr lang="es-ES">
                             <a:solidFill>
                               <a:schemeClr val="bg1"/>
@@ -6596,6 +6605,15 @@
                             <a:latin typeface="Cambria Math" panose="02040503050406030204" pitchFamily="18" charset="0"/>
                           </a:rPr>
                           <m:t>𝐱</m:t>
+                        </m:r>
+                        <m:r>
+                          <a:rPr lang="es-ES" b="1" i="1" smtClean="0">
+                            <a:solidFill>
+                              <a:schemeClr val="bg1"/>
+                            </a:solidFill>
+                            <a:latin typeface="Cambria Math" panose="02040503050406030204" pitchFamily="18" charset="0"/>
+                          </a:rPr>
+                          <m:t>,</m:t>
                         </m:r>
                         <m:r>
                           <a:rPr lang="es-ES">
@@ -6884,7 +6902,7 @@
             </p:txBody>
           </p:sp>
         </mc:Choice>
-        <mc:Fallback xmlns="">
+        <mc:Fallback>
           <p:sp>
             <p:nvSpPr>
               <p:cNvPr id="5" name="Marcador de contenido 2"/>
@@ -7712,8 +7730,8 @@
           </a:p>
         </p:txBody>
       </p:sp>
-      <mc:AlternateContent xmlns:mc="http://schemas.openxmlformats.org/markup-compatibility/2006">
-        <mc:Choice xmlns:a14="http://schemas.microsoft.com/office/drawing/2010/main" Requires="a14">
+      <mc:AlternateContent xmlns:mc="http://schemas.openxmlformats.org/markup-compatibility/2006" xmlns:a14="http://schemas.microsoft.com/office/drawing/2010/main">
+        <mc:Choice Requires="a14">
           <p:sp>
             <p:nvSpPr>
               <p:cNvPr id="5" name="Marcador de contenido 2"/>
@@ -8337,7 +8355,7 @@
             </p:txBody>
           </p:sp>
         </mc:Choice>
-        <mc:Fallback>
+        <mc:Fallback xmlns="">
           <p:sp>
             <p:nvSpPr>
               <p:cNvPr id="5" name="Marcador de contenido 2"/>
@@ -8707,8 +8725,8 @@
           </a:p>
         </p:txBody>
       </p:sp>
-      <mc:AlternateContent xmlns:mc="http://schemas.openxmlformats.org/markup-compatibility/2006" xmlns:a14="http://schemas.microsoft.com/office/drawing/2010/main">
-        <mc:Choice Requires="a14">
+      <mc:AlternateContent xmlns:mc="http://schemas.openxmlformats.org/markup-compatibility/2006">
+        <mc:Choice xmlns:a14="http://schemas.microsoft.com/office/drawing/2010/main" Requires="a14">
           <p:sp>
             <p:nvSpPr>
               <p:cNvPr id="5" name="Marcador de contenido 2"/>
@@ -9012,6 +9030,15 @@
                             <a:latin typeface="Cambria Math" panose="02040503050406030204" pitchFamily="18" charset="0"/>
                           </a:rPr>
                           <m:t> </m:t>
+                        </m:r>
+                        <m:r>
+                          <a:rPr lang="es-ES" b="0" i="1" smtClean="0">
+                            <a:solidFill>
+                              <a:srgbClr val="FFC000"/>
+                            </a:solidFill>
+                            <a:latin typeface="Cambria Math" panose="02040503050406030204" pitchFamily="18" charset="0"/>
+                          </a:rPr>
+                          <m:t>,</m:t>
                         </m:r>
                         <m:r>
                           <a:rPr lang="es-ES" b="1" i="0" smtClean="0">
@@ -10582,7 +10609,7 @@
             </p:txBody>
           </p:sp>
         </mc:Choice>
-        <mc:Fallback xmlns="">
+        <mc:Fallback>
           <p:sp>
             <p:nvSpPr>
               <p:cNvPr id="5" name="Marcador de contenido 2"/>
@@ -10684,8 +10711,8 @@
           </a:p>
         </p:txBody>
       </p:sp>
-      <mc:AlternateContent xmlns:mc="http://schemas.openxmlformats.org/markup-compatibility/2006" xmlns:a14="http://schemas.microsoft.com/office/drawing/2010/main">
-        <mc:Choice Requires="a14">
+      <mc:AlternateContent xmlns:mc="http://schemas.openxmlformats.org/markup-compatibility/2006">
+        <mc:Choice xmlns:a14="http://schemas.microsoft.com/office/drawing/2010/main" Requires="a14">
           <p:sp>
             <p:nvSpPr>
               <p:cNvPr id="5" name="Marcador de contenido 2"/>
@@ -10972,6 +10999,15 @@
                             <a:latin typeface="Cambria Math" panose="02040503050406030204" pitchFamily="18" charset="0"/>
                           </a:rPr>
                           <m:t>𝐱</m:t>
+                        </m:r>
+                        <m:r>
+                          <a:rPr lang="es-ES" sz="1800" b="0" i="0" smtClean="0">
+                            <a:solidFill>
+                              <a:schemeClr val="bg1"/>
+                            </a:solidFill>
+                            <a:latin typeface="Cambria Math" panose="02040503050406030204" pitchFamily="18" charset="0"/>
+                          </a:rPr>
+                          <m:t>,</m:t>
                         </m:r>
                         <m:r>
                           <a:rPr lang="es-ES" sz="1800" b="0" i="0" smtClean="0">
@@ -12097,7 +12133,7 @@
             </p:txBody>
           </p:sp>
         </mc:Choice>
-        <mc:Fallback xmlns="">
+        <mc:Fallback>
           <p:sp>
             <p:nvSpPr>
               <p:cNvPr id="5" name="Marcador de contenido 2"/>
@@ -12258,6 +12294,15 @@
                           <m:t>𝐱</m:t>
                         </m:r>
                         <m:r>
+                          <a:rPr lang="es-ES" b="1" i="1" smtClean="0">
+                            <a:solidFill>
+                              <a:schemeClr val="bg1"/>
+                            </a:solidFill>
+                            <a:latin typeface="Cambria Math" panose="02040503050406030204" pitchFamily="18" charset="0"/>
+                          </a:rPr>
+                          <m:t>,</m:t>
+                        </m:r>
+                        <m:r>
                           <a:rPr lang="es-ES">
                             <a:solidFill>
                               <a:schemeClr val="bg1"/>
@@ -12366,6 +12411,15 @@
                           </m:sub>
                         </m:sSub>
                         <m:r>
+                          <a:rPr lang="es-ES" b="0" i="1" smtClean="0">
+                            <a:solidFill>
+                              <a:schemeClr val="bg1"/>
+                            </a:solidFill>
+                            <a:latin typeface="Cambria Math" panose="02040503050406030204" pitchFamily="18" charset="0"/>
+                          </a:rPr>
+                          <m:t>,</m:t>
+                        </m:r>
+                        <m:r>
                           <a:rPr lang="es-ES" i="1">
                             <a:solidFill>
                               <a:schemeClr val="bg1"/>
@@ -12373,6 +12427,15 @@
                             <a:latin typeface="Cambria Math" panose="02040503050406030204" pitchFamily="18" charset="0"/>
                           </a:rPr>
                           <m:t>…</m:t>
+                        </m:r>
+                        <m:r>
+                          <a:rPr lang="es-ES" b="0" i="1" smtClean="0">
+                            <a:solidFill>
+                              <a:schemeClr val="bg1"/>
+                            </a:solidFill>
+                            <a:latin typeface="Cambria Math" panose="02040503050406030204" pitchFamily="18" charset="0"/>
+                          </a:rPr>
+                          <m:t>,</m:t>
                         </m:r>
                         <m:sSub>
                           <m:sSubPr>
@@ -12489,6 +12552,15 @@
                           </m:sub>
                         </m:sSub>
                         <m:r>
+                          <a:rPr lang="es-ES" b="0" i="1" smtClean="0">
+                            <a:solidFill>
+                              <a:schemeClr val="bg1"/>
+                            </a:solidFill>
+                            <a:latin typeface="Cambria Math" panose="02040503050406030204" pitchFamily="18" charset="0"/>
+                          </a:rPr>
+                          <m:t>,</m:t>
+                        </m:r>
+                        <m:r>
                           <a:rPr lang="es-ES" i="1">
                             <a:solidFill>
                               <a:schemeClr val="bg1"/>
@@ -12496,6 +12568,15 @@
                             <a:latin typeface="Cambria Math" panose="02040503050406030204" pitchFamily="18" charset="0"/>
                           </a:rPr>
                           <m:t>…</m:t>
+                        </m:r>
+                        <m:r>
+                          <a:rPr lang="es-ES" b="0" i="1" smtClean="0">
+                            <a:solidFill>
+                              <a:schemeClr val="bg1"/>
+                            </a:solidFill>
+                            <a:latin typeface="Cambria Math" panose="02040503050406030204" pitchFamily="18" charset="0"/>
+                          </a:rPr>
+                          <m:t>,</m:t>
                         </m:r>
                         <m:sSub>
                           <m:sSubPr>
@@ -13085,13 +13166,13 @@
                           <m:t>𝐱</m:t>
                         </m:r>
                         <m:r>
-                          <a:rPr lang="es-ES">
+                          <a:rPr lang="es-ES" b="0" i="0" smtClean="0">
                             <a:solidFill>
                               <a:schemeClr val="bg1"/>
                             </a:solidFill>
                             <a:latin typeface="Cambria Math" panose="02040503050406030204" pitchFamily="18" charset="0"/>
                           </a:rPr>
-                          <m:t> </m:t>
+                          <m:t>,</m:t>
                         </m:r>
                         <m:r>
                           <a:rPr lang="es-ES" b="1" i="1">
@@ -13193,6 +13274,15 @@
                           </m:sub>
                         </m:sSub>
                         <m:r>
+                          <a:rPr lang="es-ES" b="0" i="1" smtClean="0">
+                            <a:solidFill>
+                              <a:schemeClr val="bg1"/>
+                            </a:solidFill>
+                            <a:latin typeface="Cambria Math" panose="02040503050406030204" pitchFamily="18" charset="0"/>
+                          </a:rPr>
+                          <m:t>,</m:t>
+                        </m:r>
+                        <m:r>
                           <a:rPr lang="es-ES" i="1">
                             <a:solidFill>
                               <a:schemeClr val="bg1"/>
@@ -13200,6 +13290,15 @@
                             <a:latin typeface="Cambria Math" panose="02040503050406030204" pitchFamily="18" charset="0"/>
                           </a:rPr>
                           <m:t>…</m:t>
+                        </m:r>
+                        <m:r>
+                          <a:rPr lang="es-ES" b="0" i="1" smtClean="0">
+                            <a:solidFill>
+                              <a:schemeClr val="bg1"/>
+                            </a:solidFill>
+                            <a:latin typeface="Cambria Math" panose="02040503050406030204" pitchFamily="18" charset="0"/>
+                          </a:rPr>
+                          <m:t>,</m:t>
                         </m:r>
                         <m:sSub>
                           <m:sSubPr>
@@ -13316,6 +13415,15 @@
                           </m:sub>
                         </m:sSub>
                         <m:r>
+                          <a:rPr lang="es-ES" b="0" i="1" smtClean="0">
+                            <a:solidFill>
+                              <a:schemeClr val="bg1"/>
+                            </a:solidFill>
+                            <a:latin typeface="Cambria Math" panose="02040503050406030204" pitchFamily="18" charset="0"/>
+                          </a:rPr>
+                          <m:t>,</m:t>
+                        </m:r>
+                        <m:r>
                           <a:rPr lang="es-ES" i="1">
                             <a:solidFill>
                               <a:schemeClr val="bg1"/>
@@ -13323,6 +13431,15 @@
                             <a:latin typeface="Cambria Math" panose="02040503050406030204" pitchFamily="18" charset="0"/>
                           </a:rPr>
                           <m:t>…</m:t>
+                        </m:r>
+                        <m:r>
+                          <a:rPr lang="es-ES" b="0" i="1" smtClean="0">
+                            <a:solidFill>
+                              <a:schemeClr val="bg1"/>
+                            </a:solidFill>
+                            <a:latin typeface="Cambria Math" panose="02040503050406030204" pitchFamily="18" charset="0"/>
+                          </a:rPr>
+                          <m:t>,</m:t>
                         </m:r>
                         <m:sSub>
                           <m:sSubPr>
@@ -13453,7 +13570,15 @@
                       <a:srgbClr val="FFC000"/>
                     </a:solidFill>
                   </a:rPr>
-                  <a:t>¿Cómo hallarías la función de densidad marginal de una de las variables </a:t>
+                  <a:t>¿Cómo hallarías la función de densidad marginal de </a:t>
+                </a:r>
+                <a:r>
+                  <a:rPr lang="es-ES" dirty="0">
+                    <a:solidFill>
+                      <a:srgbClr val="92D050"/>
+                    </a:solidFill>
+                  </a:rPr>
+                  <a:t>una de las variables </a:t>
                 </a:r>
                 <a14:m>
                   <m:oMath xmlns:m="http://schemas.openxmlformats.org/officeDocument/2006/math">
@@ -13462,7 +13587,7 @@
                         <m:ctrlPr>
                           <a:rPr lang="es-ES" i="1">
                             <a:solidFill>
-                              <a:srgbClr val="FFC000"/>
+                              <a:srgbClr val="92D050"/>
                             </a:solidFill>
                             <a:latin typeface="Cambria Math" panose="02040503050406030204" pitchFamily="18" charset="0"/>
                           </a:rPr>
@@ -13472,7 +13597,7 @@
                         <m:r>
                           <a:rPr lang="es-ES" b="1">
                             <a:solidFill>
-                              <a:srgbClr val="FFC000"/>
+                              <a:srgbClr val="92D050"/>
                             </a:solidFill>
                             <a:latin typeface="Cambria Math" panose="02040503050406030204" pitchFamily="18" charset="0"/>
                           </a:rPr>
@@ -13483,7 +13608,7 @@
                         <m:r>
                           <a:rPr lang="es-ES" i="1">
                             <a:solidFill>
-                              <a:srgbClr val="FFC000"/>
+                              <a:srgbClr val="92D050"/>
                             </a:solidFill>
                             <a:latin typeface="Cambria Math" panose="02040503050406030204" pitchFamily="18" charset="0"/>
                           </a:rPr>
@@ -13496,7 +13621,7 @@
                 <a:r>
                   <a:rPr lang="es-ES" dirty="0">
                     <a:solidFill>
-                      <a:srgbClr val="FFC000"/>
+                      <a:srgbClr val="92D050"/>
                     </a:solidFill>
                   </a:rPr>
                   <a:t> dentro de </a:t>
@@ -13506,7 +13631,7 @@
                     <m:r>
                       <a:rPr lang="es-ES" b="1">
                         <a:solidFill>
-                          <a:srgbClr val="FFC000"/>
+                          <a:srgbClr val="92D050"/>
                         </a:solidFill>
                         <a:latin typeface="Cambria Math" panose="02040503050406030204" pitchFamily="18" charset="0"/>
                       </a:rPr>
@@ -13517,11 +13642,16 @@
                 <a:r>
                   <a:rPr lang="es-ES" dirty="0">
                     <a:solidFill>
-                      <a:srgbClr val="FFC000"/>
+                      <a:srgbClr val="92D050"/>
                     </a:solidFill>
                   </a:rPr>
                   <a:t>?</a:t>
                 </a:r>
+                <a:endParaRPr lang="es-ES" dirty="0">
+                  <a:solidFill>
+                    <a:srgbClr val="FFC000"/>
+                  </a:solidFill>
+                </a:endParaRPr>
               </a:p>
               <a:p>
                 <a:pPr marL="0" indent="0">
@@ -13928,8 +14058,8 @@
           </a:p>
         </p:txBody>
       </p:sp>
-      <mc:AlternateContent xmlns:mc="http://schemas.openxmlformats.org/markup-compatibility/2006" xmlns:a14="http://schemas.microsoft.com/office/drawing/2010/main">
-        <mc:Choice Requires="a14">
+      <mc:AlternateContent xmlns:mc="http://schemas.openxmlformats.org/markup-compatibility/2006">
+        <mc:Choice xmlns:a14="http://schemas.microsoft.com/office/drawing/2010/main" Requires="a14">
           <p:sp>
             <p:nvSpPr>
               <p:cNvPr id="5" name="Marcador de contenido 2"/>
@@ -14217,6 +14347,15 @@
                             <a:latin typeface="Cambria Math" panose="02040503050406030204" pitchFamily="18" charset="0"/>
                           </a:rPr>
                           <m:t>𝐱</m:t>
+                        </m:r>
+                        <m:r>
+                          <a:rPr lang="es-ES" b="1" i="1" smtClean="0">
+                            <a:solidFill>
+                              <a:schemeClr val="bg1"/>
+                            </a:solidFill>
+                            <a:latin typeface="Cambria Math" panose="02040503050406030204" pitchFamily="18" charset="0"/>
+                          </a:rPr>
+                          <m:t>,</m:t>
                         </m:r>
                         <m:r>
                           <a:rPr lang="es-ES">
@@ -15141,7 +15280,7 @@
             </p:txBody>
           </p:sp>
         </mc:Choice>
-        <mc:Fallback xmlns="">
+        <mc:Fallback>
           <p:sp>
             <p:nvSpPr>
               <p:cNvPr id="5" name="Marcador de contenido 2"/>
@@ -15239,8 +15378,8 @@
           </a:p>
         </p:txBody>
       </p:sp>
-      <mc:AlternateContent xmlns:mc="http://schemas.openxmlformats.org/markup-compatibility/2006" xmlns:a14="http://schemas.microsoft.com/office/drawing/2010/main">
-        <mc:Choice Requires="a14">
+      <mc:AlternateContent xmlns:mc="http://schemas.openxmlformats.org/markup-compatibility/2006">
+        <mc:Choice xmlns:a14="http://schemas.microsoft.com/office/drawing/2010/main" Requires="a14">
           <p:sp>
             <p:nvSpPr>
               <p:cNvPr id="5" name="Marcador de contenido 2"/>
@@ -15528,6 +15667,15 @@
                             <a:latin typeface="Cambria Math" panose="02040503050406030204" pitchFamily="18" charset="0"/>
                           </a:rPr>
                           <m:t>𝐱</m:t>
+                        </m:r>
+                        <m:r>
+                          <a:rPr lang="es-ES" b="1" i="1" smtClean="0">
+                            <a:solidFill>
+                              <a:schemeClr val="bg1"/>
+                            </a:solidFill>
+                            <a:latin typeface="Cambria Math" panose="02040503050406030204" pitchFamily="18" charset="0"/>
+                          </a:rPr>
+                          <m:t>,</m:t>
                         </m:r>
                         <m:r>
                           <a:rPr lang="es-ES">
@@ -16166,7 +16314,7 @@
             </p:txBody>
           </p:sp>
         </mc:Choice>
-        <mc:Fallback xmlns="">
+        <mc:Fallback>
           <p:sp>
             <p:nvSpPr>
               <p:cNvPr id="5" name="Marcador de contenido 2"/>
@@ -16264,8 +16412,8 @@
           </a:p>
         </p:txBody>
       </p:sp>
-      <mc:AlternateContent xmlns:mc="http://schemas.openxmlformats.org/markup-compatibility/2006" xmlns:a14="http://schemas.microsoft.com/office/drawing/2010/main">
-        <mc:Choice Requires="a14">
+      <mc:AlternateContent xmlns:mc="http://schemas.openxmlformats.org/markup-compatibility/2006">
+        <mc:Choice xmlns:a14="http://schemas.microsoft.com/office/drawing/2010/main" Requires="a14">
           <p:sp>
             <p:nvSpPr>
               <p:cNvPr id="5" name="Marcador de contenido 2"/>
@@ -16553,6 +16701,15 @@
                             <a:latin typeface="Cambria Math" panose="02040503050406030204" pitchFamily="18" charset="0"/>
                           </a:rPr>
                           <m:t>𝐱</m:t>
+                        </m:r>
+                        <m:r>
+                          <a:rPr lang="es-ES" b="1" i="1" smtClean="0">
+                            <a:solidFill>
+                              <a:schemeClr val="bg1"/>
+                            </a:solidFill>
+                            <a:latin typeface="Cambria Math" panose="02040503050406030204" pitchFamily="18" charset="0"/>
+                          </a:rPr>
+                          <m:t>,</m:t>
                         </m:r>
                         <m:r>
                           <a:rPr lang="es-ES">
@@ -17200,7 +17357,7 @@
             </p:txBody>
           </p:sp>
         </mc:Choice>
-        <mc:Fallback xmlns="">
+        <mc:Fallback>
           <p:sp>
             <p:nvSpPr>
               <p:cNvPr id="5" name="Marcador de contenido 2"/>

--- a/Seccion 2 Variable aleatoria multivariante/Diapositivas/2.2 Distribución conjunta y marginales.pptx
+++ b/Seccion 2 Variable aleatoria multivariante/Diapositivas/2.2 Distribución conjunta y marginales.pptx
@@ -870,7 +870,7 @@
             <a:fld id="{B61BEF0D-F0BB-DE4B-95CE-6DB70DBA9567}" type="datetimeFigureOut">
               <a:rPr lang="en-US" smtClean="0"/>
               <a:pPr/>
-              <a:t>12/20/2019</a:t>
+              <a:t>3/21/2020</a:t>
             </a:fld>
             <a:endParaRPr lang="en-US" dirty="0"/>
           </a:p>
@@ -1123,7 +1123,7 @@
             <a:fld id="{B61BEF0D-F0BB-DE4B-95CE-6DB70DBA9567}" type="datetimeFigureOut">
               <a:rPr lang="en-US" smtClean="0"/>
               <a:pPr/>
-              <a:t>12/20/2019</a:t>
+              <a:t>3/21/2020</a:t>
             </a:fld>
             <a:endParaRPr lang="en-US" dirty="0"/>
           </a:p>
@@ -1439,7 +1439,7 @@
             <a:fld id="{B61BEF0D-F0BB-DE4B-95CE-6DB70DBA9567}" type="datetimeFigureOut">
               <a:rPr lang="en-US" smtClean="0"/>
               <a:pPr/>
-              <a:t>12/20/2019</a:t>
+              <a:t>3/21/2020</a:t>
             </a:fld>
             <a:endParaRPr lang="en-US" dirty="0"/>
           </a:p>
@@ -1774,7 +1774,7 @@
             <a:fld id="{B61BEF0D-F0BB-DE4B-95CE-6DB70DBA9567}" type="datetimeFigureOut">
               <a:rPr lang="en-US" smtClean="0"/>
               <a:pPr/>
-              <a:t>12/20/2019</a:t>
+              <a:t>3/21/2020</a:t>
             </a:fld>
             <a:endParaRPr lang="en-US" dirty="0"/>
           </a:p>
@@ -2090,7 +2090,7 @@
             <a:fld id="{B61BEF0D-F0BB-DE4B-95CE-6DB70DBA9567}" type="datetimeFigureOut">
               <a:rPr lang="en-US" smtClean="0"/>
               <a:pPr/>
-              <a:t>12/20/2019</a:t>
+              <a:t>3/21/2020</a:t>
             </a:fld>
             <a:endParaRPr lang="en-US" dirty="0"/>
           </a:p>
@@ -2485,7 +2485,7 @@
             <a:fld id="{B61BEF0D-F0BB-DE4B-95CE-6DB70DBA9567}" type="datetimeFigureOut">
               <a:rPr lang="en-US" smtClean="0"/>
               <a:pPr/>
-              <a:t>12/20/2019</a:t>
+              <a:t>3/21/2020</a:t>
             </a:fld>
             <a:endParaRPr lang="en-US" dirty="0"/>
           </a:p>
@@ -2656,7 +2656,7 @@
           <a:p>
             <a:fld id="{55C6B4A9-1611-4792-9094-5F34BCA07E0B}" type="datetimeFigureOut">
               <a:rPr lang="en-US" smtClean="0"/>
-              <a:t>12/20/2019</a:t>
+              <a:t>3/21/2020</a:t>
             </a:fld>
             <a:endParaRPr lang="en-US" dirty="0"/>
           </a:p>
@@ -2837,7 +2837,7 @@
             <a:fld id="{B61BEF0D-F0BB-DE4B-95CE-6DB70DBA9567}" type="datetimeFigureOut">
               <a:rPr lang="en-US" smtClean="0"/>
               <a:pPr/>
-              <a:t>12/20/2019</a:t>
+              <a:t>3/21/2020</a:t>
             </a:fld>
             <a:endParaRPr lang="en-US" dirty="0"/>
           </a:p>
@@ -3009,7 +3009,7 @@
             <a:fld id="{B61BEF0D-F0BB-DE4B-95CE-6DB70DBA9567}" type="datetimeFigureOut">
               <a:rPr lang="en-US" smtClean="0"/>
               <a:pPr/>
-              <a:t>12/20/2019</a:t>
+              <a:t>3/21/2020</a:t>
             </a:fld>
             <a:endParaRPr lang="en-US" dirty="0"/>
           </a:p>
@@ -3258,7 +3258,7 @@
             <a:fld id="{B61BEF0D-F0BB-DE4B-95CE-6DB70DBA9567}" type="datetimeFigureOut">
               <a:rPr lang="en-US" smtClean="0"/>
               <a:pPr/>
-              <a:t>12/20/2019</a:t>
+              <a:t>3/21/2020</a:t>
             </a:fld>
             <a:endParaRPr lang="en-US" dirty="0"/>
           </a:p>
@@ -3491,7 +3491,7 @@
           <a:p>
             <a:fld id="{EB712588-04B1-427B-82EE-E8DB90309F08}" type="datetimeFigureOut">
               <a:rPr lang="en-US" smtClean="0"/>
-              <a:t>12/20/2019</a:t>
+              <a:t>3/21/2020</a:t>
             </a:fld>
             <a:endParaRPr lang="en-US" dirty="0"/>
           </a:p>
@@ -3866,7 +3866,7 @@
             <a:fld id="{B61BEF0D-F0BB-DE4B-95CE-6DB70DBA9567}" type="datetimeFigureOut">
               <a:rPr lang="en-US" smtClean="0"/>
               <a:pPr/>
-              <a:t>12/20/2019</a:t>
+              <a:t>3/21/2020</a:t>
             </a:fld>
             <a:endParaRPr lang="en-US" dirty="0"/>
           </a:p>
@@ -3991,7 +3991,7 @@
             <a:fld id="{B61BEF0D-F0BB-DE4B-95CE-6DB70DBA9567}" type="datetimeFigureOut">
               <a:rPr lang="en-US" smtClean="0"/>
               <a:pPr/>
-              <a:t>12/20/2019</a:t>
+              <a:t>3/21/2020</a:t>
             </a:fld>
             <a:endParaRPr lang="en-US" dirty="0"/>
           </a:p>
@@ -4088,7 +4088,7 @@
             <a:fld id="{B61BEF0D-F0BB-DE4B-95CE-6DB70DBA9567}" type="datetimeFigureOut">
               <a:rPr lang="en-US" smtClean="0"/>
               <a:pPr/>
-              <a:t>12/20/2019</a:t>
+              <a:t>3/21/2020</a:t>
             </a:fld>
             <a:endParaRPr lang="en-US" dirty="0"/>
           </a:p>
@@ -4344,7 +4344,7 @@
           <a:p>
             <a:fld id="{42A54C80-263E-416B-A8E0-580EDEADCBDC}" type="datetimeFigureOut">
               <a:rPr lang="en-US" smtClean="0"/>
-              <a:t>12/20/2019</a:t>
+              <a:t>3/21/2020</a:t>
             </a:fld>
             <a:endParaRPr lang="en-US" dirty="0"/>
           </a:p>
@@ -4651,7 +4651,7 @@
             <a:fld id="{B61BEF0D-F0BB-DE4B-95CE-6DB70DBA9567}" type="datetimeFigureOut">
               <a:rPr lang="en-US" smtClean="0"/>
               <a:pPr/>
-              <a:t>12/20/2019</a:t>
+              <a:t>3/21/2020</a:t>
             </a:fld>
             <a:endParaRPr lang="en-US" dirty="0"/>
           </a:p>
@@ -5357,7 +5357,7 @@
             <a:fld id="{B61BEF0D-F0BB-DE4B-95CE-6DB70DBA9567}" type="datetimeFigureOut">
               <a:rPr lang="en-US" smtClean="0"/>
               <a:pPr/>
-              <a:t>12/20/2019</a:t>
+              <a:t>3/21/2020</a:t>
             </a:fld>
             <a:endParaRPr lang="en-US" dirty="0"/>
           </a:p>
@@ -6011,8 +6011,8 @@
           </a:p>
         </p:txBody>
       </p:sp>
-      <mc:AlternateContent xmlns:mc="http://schemas.openxmlformats.org/markup-compatibility/2006">
-        <mc:Choice xmlns:a14="http://schemas.microsoft.com/office/drawing/2010/main" Requires="a14">
+      <mc:AlternateContent xmlns:mc="http://schemas.openxmlformats.org/markup-compatibility/2006" xmlns:a14="http://schemas.microsoft.com/office/drawing/2010/main">
+        <mc:Choice Requires="a14">
           <p:sp>
             <p:nvSpPr>
               <p:cNvPr id="5" name="Marcador de contenido 2"/>
@@ -6902,7 +6902,7 @@
             </p:txBody>
           </p:sp>
         </mc:Choice>
-        <mc:Fallback>
+        <mc:Fallback xmlns="">
           <p:sp>
             <p:nvSpPr>
               <p:cNvPr id="5" name="Marcador de contenido 2"/>
@@ -8725,8 +8725,8 @@
           </a:p>
         </p:txBody>
       </p:sp>
-      <mc:AlternateContent xmlns:mc="http://schemas.openxmlformats.org/markup-compatibility/2006">
-        <mc:Choice xmlns:a14="http://schemas.microsoft.com/office/drawing/2010/main" Requires="a14">
+      <mc:AlternateContent xmlns:mc="http://schemas.openxmlformats.org/markup-compatibility/2006" xmlns:a14="http://schemas.microsoft.com/office/drawing/2010/main">
+        <mc:Choice Requires="a14">
           <p:sp>
             <p:nvSpPr>
               <p:cNvPr id="5" name="Marcador de contenido 2"/>
@@ -9029,16 +9029,7 @@
                             </a:solidFill>
                             <a:latin typeface="Cambria Math" panose="02040503050406030204" pitchFamily="18" charset="0"/>
                           </a:rPr>
-                          <m:t> </m:t>
-                        </m:r>
-                        <m:r>
-                          <a:rPr lang="es-ES" b="0" i="1" smtClean="0">
-                            <a:solidFill>
-                              <a:srgbClr val="FFC000"/>
-                            </a:solidFill>
-                            <a:latin typeface="Cambria Math" panose="02040503050406030204" pitchFamily="18" charset="0"/>
-                          </a:rPr>
-                          <m:t>,</m:t>
+                          <m:t> ,</m:t>
                         </m:r>
                         <m:r>
                           <a:rPr lang="es-ES" b="1" i="0" smtClean="0">
@@ -10609,7 +10600,7 @@
             </p:txBody>
           </p:sp>
         </mc:Choice>
-        <mc:Fallback>
+        <mc:Fallback xmlns="">
           <p:sp>
             <p:nvSpPr>
               <p:cNvPr id="5" name="Marcador de contenido 2"/>
@@ -11007,16 +10998,7 @@
                             </a:solidFill>
                             <a:latin typeface="Cambria Math" panose="02040503050406030204" pitchFamily="18" charset="0"/>
                           </a:rPr>
-                          <m:t>,</m:t>
-                        </m:r>
-                        <m:r>
-                          <a:rPr lang="es-ES" sz="1800" b="0" i="0" smtClean="0">
-                            <a:solidFill>
-                              <a:schemeClr val="bg1"/>
-                            </a:solidFill>
-                            <a:latin typeface="Cambria Math" panose="02040503050406030204" pitchFamily="18" charset="0"/>
-                          </a:rPr>
-                          <m:t> </m:t>
+                          <m:t>, </m:t>
                         </m:r>
                         <m:r>
                           <a:rPr lang="es-ES" sz="1800" b="1" i="1">
@@ -11912,13 +11894,13 @@
                             </m:dPr>
                             <m:e>
                               <m:r>
-                                <a:rPr lang="es-ES" i="1">
+                                <a:rPr lang="es-ES" b="0" i="1" smtClean="0">
                                   <a:solidFill>
                                     <a:schemeClr val="bg1"/>
                                   </a:solidFill>
                                   <a:latin typeface="Cambria Math" panose="02040503050406030204" pitchFamily="18" charset="0"/>
                                 </a:rPr>
-                                <m:t>𝑥</m:t>
+                                <m:t>𝑦</m:t>
                               </m:r>
                             </m:e>
                           </m:d>
@@ -12237,8 +12219,8 @@
           </a:p>
         </p:txBody>
       </p:sp>
-      <mc:AlternateContent xmlns:mc="http://schemas.openxmlformats.org/markup-compatibility/2006">
-        <mc:Choice xmlns:a14="http://schemas.microsoft.com/office/drawing/2010/main" Requires="a14">
+      <mc:AlternateContent xmlns:mc="http://schemas.openxmlformats.org/markup-compatibility/2006" xmlns:a14="http://schemas.microsoft.com/office/drawing/2010/main">
+        <mc:Choice Requires="a14">
           <p:sp>
             <p:nvSpPr>
               <p:cNvPr id="3" name="Marcador de contenido 2">
@@ -13002,7 +12984,7 @@
             </p:txBody>
           </p:sp>
         </mc:Choice>
-        <mc:Fallback>
+        <mc:Fallback xmlns="">
           <p:sp>
             <p:nvSpPr>
               <p:cNvPr id="3" name="Marcador de contenido 2">
@@ -13107,8 +13089,8 @@
           </a:p>
         </p:txBody>
       </p:sp>
-      <mc:AlternateContent xmlns:mc="http://schemas.openxmlformats.org/markup-compatibility/2006">
-        <mc:Choice xmlns:a14="http://schemas.microsoft.com/office/drawing/2010/main" Requires="a14">
+      <mc:AlternateContent xmlns:mc="http://schemas.openxmlformats.org/markup-compatibility/2006" xmlns:a14="http://schemas.microsoft.com/office/drawing/2010/main">
+        <mc:Choice Requires="a14">
           <p:sp>
             <p:nvSpPr>
               <p:cNvPr id="3" name="Marcador de contenido 2">
@@ -13959,7 +13941,7 @@
             </p:txBody>
           </p:sp>
         </mc:Choice>
-        <mc:Fallback>
+        <mc:Fallback xmlns="">
           <p:sp>
             <p:nvSpPr>
               <p:cNvPr id="3" name="Marcador de contenido 2">
@@ -14058,8 +14040,8 @@
           </a:p>
         </p:txBody>
       </p:sp>
-      <mc:AlternateContent xmlns:mc="http://schemas.openxmlformats.org/markup-compatibility/2006">
-        <mc:Choice xmlns:a14="http://schemas.microsoft.com/office/drawing/2010/main" Requires="a14">
+      <mc:AlternateContent xmlns:mc="http://schemas.openxmlformats.org/markup-compatibility/2006" xmlns:a14="http://schemas.microsoft.com/office/drawing/2010/main">
+        <mc:Choice Requires="a14">
           <p:sp>
             <p:nvSpPr>
               <p:cNvPr id="5" name="Marcador de contenido 2"/>
@@ -15280,7 +15262,7 @@
             </p:txBody>
           </p:sp>
         </mc:Choice>
-        <mc:Fallback>
+        <mc:Fallback xmlns="">
           <p:sp>
             <p:nvSpPr>
               <p:cNvPr id="5" name="Marcador de contenido 2"/>
@@ -15378,8 +15360,8 @@
           </a:p>
         </p:txBody>
       </p:sp>
-      <mc:AlternateContent xmlns:mc="http://schemas.openxmlformats.org/markup-compatibility/2006">
-        <mc:Choice xmlns:a14="http://schemas.microsoft.com/office/drawing/2010/main" Requires="a14">
+      <mc:AlternateContent xmlns:mc="http://schemas.openxmlformats.org/markup-compatibility/2006" xmlns:a14="http://schemas.microsoft.com/office/drawing/2010/main">
+        <mc:Choice Requires="a14">
           <p:sp>
             <p:nvSpPr>
               <p:cNvPr id="5" name="Marcador de contenido 2"/>
@@ -16314,7 +16296,7 @@
             </p:txBody>
           </p:sp>
         </mc:Choice>
-        <mc:Fallback>
+        <mc:Fallback xmlns="">
           <p:sp>
             <p:nvSpPr>
               <p:cNvPr id="5" name="Marcador de contenido 2"/>
@@ -16412,8 +16394,8 @@
           </a:p>
         </p:txBody>
       </p:sp>
-      <mc:AlternateContent xmlns:mc="http://schemas.openxmlformats.org/markup-compatibility/2006">
-        <mc:Choice xmlns:a14="http://schemas.microsoft.com/office/drawing/2010/main" Requires="a14">
+      <mc:AlternateContent xmlns:mc="http://schemas.openxmlformats.org/markup-compatibility/2006" xmlns:a14="http://schemas.microsoft.com/office/drawing/2010/main">
+        <mc:Choice Requires="a14">
           <p:sp>
             <p:nvSpPr>
               <p:cNvPr id="5" name="Marcador de contenido 2"/>
@@ -17357,7 +17339,7 @@
             </p:txBody>
           </p:sp>
         </mc:Choice>
-        <mc:Fallback>
+        <mc:Fallback xmlns="">
           <p:sp>
             <p:nvSpPr>
               <p:cNvPr id="5" name="Marcador de contenido 2"/>
